--- a/images/Renewal Application Process_20200528.pptx
+++ b/images/Renewal Application Process_20200528.pptx
@@ -121,10 +121,10 @@
       </p14:sectionLst>
     </p:ext>
     <p:ext uri="{EFAFB233-063F-42B5-8137-9DF3F51BA10A}">
-      <p15:sldGuideLst xmlns:p15="http://schemas.microsoft.com/office/powerpoint/2012/main"/>
+      <p15:sldGuideLst xmlns:p15="http://schemas.microsoft.com/office/powerpoint/2012/main" xmlns=""/>
     </p:ext>
     <p:ext uri="{2D200454-40CA-4A62-9FC3-DE9A4176ACB9}">
-      <p15:notesGuideLst xmlns:p15="http://schemas.microsoft.com/office/powerpoint/2012/main"/>
+      <p15:notesGuideLst xmlns:p15="http://schemas.microsoft.com/office/powerpoint/2012/main" xmlns=""/>
     </p:ext>
   </p:extLst>
 </p:presentation>
@@ -133,46 +133,22 @@
 <file path=ppt/commentAuthors.xml><?xml version="1.0" encoding="utf-8"?>
 <p:cmAuthorLst xmlns:a="http://schemas.openxmlformats.org/drawingml/2006/main" xmlns:r="http://schemas.openxmlformats.org/officeDocument/2006/relationships" xmlns:p="http://schemas.openxmlformats.org/presentationml/2006/main">
   <p:cmAuthor id="1" name="Denise Chew" initials="DC(" lastIdx="26" clrIdx="0">
-    <p:extLst>
-      <p:ext uri="{19B8F6BF-5375-455C-9EA6-DF929625EA0E}">
-        <p15:presenceInfo xmlns:p15="http://schemas.microsoft.com/office/powerpoint/2012/main" userId="Denise Chew" providerId="None"/>
-      </p:ext>
-    </p:extLst>
+    <p:extLst/>
   </p:cmAuthor>
   <p:cmAuthor id="2" name="Joanne Koh (MLAW)" initials="MLAWJK" lastIdx="26" clrIdx="1">
-    <p:extLst>
-      <p:ext uri="{19B8F6BF-5375-455C-9EA6-DF929625EA0E}">
-        <p15:presenceInfo xmlns:p15="http://schemas.microsoft.com/office/powerpoint/2012/main" userId="Joanne Koh (MLAW)" providerId="None"/>
-      </p:ext>
-    </p:extLst>
+    <p:extLst/>
   </p:cmAuthor>
   <p:cmAuthor id="3" name="Lay May LEOW (MLAW)" initials="LML(" lastIdx="1" clrIdx="2">
-    <p:extLst>
-      <p:ext uri="{19B8F6BF-5375-455C-9EA6-DF929625EA0E}">
-        <p15:presenceInfo xmlns:p15="http://schemas.microsoft.com/office/powerpoint/2012/main" userId="Lay May LEOW (MLAW)" providerId="None"/>
-      </p:ext>
-    </p:extLst>
+    <p:extLst/>
   </p:cmAuthor>
   <p:cmAuthor id="4" name="Paramjit SINGH (MLAW)" initials="PSH" lastIdx="7" clrIdx="3">
-    <p:extLst>
-      <p:ext uri="{19B8F6BF-5375-455C-9EA6-DF929625EA0E}">
-        <p15:presenceInfo xmlns:p15="http://schemas.microsoft.com/office/powerpoint/2012/main" userId="Paramjit SINGH (MLAW)" providerId="None"/>
-      </p:ext>
-    </p:extLst>
+    <p:extLst/>
   </p:cmAuthor>
   <p:cmAuthor id="5" name="Author" initials="IWT" lastIdx="1" clrIdx="4">
-    <p:extLst>
-      <p:ext uri="{19B8F6BF-5375-455C-9EA6-DF929625EA0E}">
-        <p15:presenceInfo xmlns:p15="http://schemas.microsoft.com/office/powerpoint/2012/main" userId="Author" providerId="None"/>
-      </p:ext>
-    </p:extLst>
+    <p:extLst/>
   </p:cmAuthor>
   <p:cmAuthor id="6" name="Ian Wern TAN (MLAW)" initials="IWT" lastIdx="3" clrIdx="5">
-    <p:extLst>
-      <p:ext uri="{19B8F6BF-5375-455C-9EA6-DF929625EA0E}">
-        <p15:presenceInfo xmlns:p15="http://schemas.microsoft.com/office/powerpoint/2012/main" userId="Ian Wern TAN (MLAW)" providerId="None"/>
-      </p:ext>
-    </p:extLst>
+    <p:extLst/>
   </p:cmAuthor>
 </p:cmAuthorLst>
 </file>
@@ -962,7 +938,7 @@
           <a:p>
             <a:fld id="{D930F4B6-BDC4-490D-A6F0-0EC7925F0AD2}" type="datetime1">
               <a:rPr lang="en-US" smtClean="0"/>
-              <a:t>28-May-20</a:t>
+              <a:t>5/28/2020</a:t>
             </a:fld>
             <a:endParaRPr lang="en-US" dirty="0"/>
           </a:p>
@@ -1203,7 +1179,7 @@
           <a:p>
             <a:fld id="{1BEC1971-903D-4579-8AC7-C36D595179A4}" type="datetime1">
               <a:rPr lang="en-US" smtClean="0"/>
-              <a:t>28-May-20</a:t>
+              <a:t>5/28/2020</a:t>
             </a:fld>
             <a:endParaRPr lang="en-US" dirty="0"/>
           </a:p>
@@ -1398,7 +1374,7 @@
           <a:p>
             <a:fld id="{372E795C-4380-4D22-9FD2-CB696580F2FF}" type="datetime1">
               <a:rPr lang="en-US" smtClean="0"/>
-              <a:t>28-May-20</a:t>
+              <a:t>5/28/2020</a:t>
             </a:fld>
             <a:endParaRPr lang="en-US" dirty="0"/>
           </a:p>
@@ -1634,7 +1610,7 @@
           <a:p>
             <a:fld id="{C1EF3431-1545-4730-AF40-2DF66F6D1D75}" type="datetime1">
               <a:rPr lang="en-US" smtClean="0"/>
-              <a:t>28-May-20</a:t>
+              <a:t>5/28/2020</a:t>
             </a:fld>
             <a:endParaRPr lang="en-US" dirty="0"/>
           </a:p>
@@ -1961,7 +1937,7 @@
           <a:p>
             <a:fld id="{76F84001-BF86-42BF-A02A-D23C311A2D06}" type="datetime1">
               <a:rPr lang="en-US" smtClean="0"/>
-              <a:t>28-May-20</a:t>
+              <a:t>5/28/2020</a:t>
             </a:fld>
             <a:endParaRPr lang="en-US" dirty="0"/>
           </a:p>
@@ -2272,7 +2248,7 @@
           <a:p>
             <a:fld id="{DDB7B6BC-4A4B-498C-BF09-285A644454DC}" type="datetime1">
               <a:rPr lang="en-US" smtClean="0"/>
-              <a:t>28-May-20</a:t>
+              <a:t>5/28/2020</a:t>
             </a:fld>
             <a:endParaRPr lang="en-US" dirty="0"/>
           </a:p>
@@ -2759,7 +2735,7 @@
           <a:p>
             <a:fld id="{D2F0BDA9-4B2A-4B69-B792-48A6E158EF46}" type="datetime1">
               <a:rPr lang="en-US" smtClean="0"/>
-              <a:t>28-May-20</a:t>
+              <a:t>5/28/2020</a:t>
             </a:fld>
             <a:endParaRPr lang="en-US" dirty="0"/>
           </a:p>
@@ -2928,7 +2904,7 @@
           <a:p>
             <a:fld id="{F5DF8610-B29B-499E-B896-998D9DC07809}" type="datetime1">
               <a:rPr lang="en-US" smtClean="0"/>
-              <a:t>28-May-20</a:t>
+              <a:t>5/28/2020</a:t>
             </a:fld>
             <a:endParaRPr lang="en-US" dirty="0"/>
           </a:p>
@@ -3040,7 +3016,7 @@
           <a:p>
             <a:fld id="{65CF989D-98AB-423E-BA3D-14D3F14128CF}" type="datetime1">
               <a:rPr lang="en-US" smtClean="0"/>
-              <a:t>28-May-20</a:t>
+              <a:t>5/28/2020</a:t>
             </a:fld>
             <a:endParaRPr lang="en-US" dirty="0"/>
           </a:p>
@@ -3334,7 +3310,7 @@
           <a:p>
             <a:fld id="{1C2629B7-8D85-4787-BEA0-E25870DD0AFD}" type="datetime1">
               <a:rPr lang="en-US" smtClean="0"/>
-              <a:t>28-May-20</a:t>
+              <a:t>5/28/2020</a:t>
             </a:fld>
             <a:endParaRPr lang="en-US" dirty="0"/>
           </a:p>
@@ -3659,7 +3635,7 @@
           <a:p>
             <a:fld id="{AFE87022-F486-462E-8E48-DA6E8853E584}" type="datetime1">
               <a:rPr lang="en-US" smtClean="0"/>
-              <a:t>28-May-20</a:t>
+              <a:t>5/28/2020</a:t>
             </a:fld>
             <a:endParaRPr lang="en-US" dirty="0"/>
           </a:p>
@@ -3977,7 +3953,7 @@
           <a:p>
             <a:fld id="{F006798D-0BD4-4B1F-A7CA-751DBBC2A0FD}" type="datetime1">
               <a:rPr lang="en-US" smtClean="0"/>
-              <a:t>28-May-20</a:t>
+              <a:t>5/28/2020</a:t>
             </a:fld>
             <a:endParaRPr lang="en-US" dirty="0"/>
           </a:p>
@@ -4804,8 +4780,23 @@
                   </a:solidFill>
                   <a:cs typeface="Arial" panose="020B0604020202020204" pitchFamily="34" charset="0"/>
                 </a:rPr>
-                <a:t>your application</a:t>
+                <a:t>Y</a:t>
               </a:r>
+              <a:r>
+                <a:rPr lang="en-US" b="1" dirty="0" smtClean="0">
+                  <a:solidFill>
+                    <a:schemeClr val="tx1"/>
+                  </a:solidFill>
+                  <a:cs typeface="Arial" panose="020B0604020202020204" pitchFamily="34" charset="0"/>
+                </a:rPr>
+                <a:t>our Application</a:t>
+              </a:r>
+              <a:endParaRPr lang="en-US" b="1" dirty="0">
+                <a:solidFill>
+                  <a:schemeClr val="tx1"/>
+                </a:solidFill>
+                <a:cs typeface="Arial" panose="020B0604020202020204" pitchFamily="34" charset="0"/>
+              </a:endParaRPr>
             </a:p>
             <a:p>
               <a:endParaRPr lang="en-SG" sz="1100" b="1" dirty="0">
@@ -5303,7 +5294,16 @@
                   </a:solidFill>
                   <a:cs typeface="Arial" panose="020B0604020202020204" pitchFamily="34" charset="0"/>
                 </a:rPr>
-                <a:t>Pay Renewal  fee  </a:t>
+                <a:t>Pay Renewal  </a:t>
+              </a:r>
+              <a:r>
+                <a:rPr lang="en-US" b="1" dirty="0" smtClean="0">
+                  <a:solidFill>
+                    <a:schemeClr val="tx1"/>
+                  </a:solidFill>
+                  <a:cs typeface="Arial" panose="020B0604020202020204" pitchFamily="34" charset="0"/>
+                </a:rPr>
+                <a:t>Fee  </a:t>
               </a:r>
               <a:endParaRPr lang="en-SG" b="1" dirty="0">
                 <a:solidFill>
@@ -6434,7 +6434,7 @@
   <a:extraClrSchemeLst/>
   <a:extLst>
     <a:ext uri="{05A4C25C-085E-4340-85A3-A5531E510DB2}">
-      <thm15:themeFamily xmlns:thm15="http://schemas.microsoft.com/office/thememl/2012/main" name="Office Theme" id="{62F939B6-93AF-4DB8-9C6B-D6C7DFDC589F}" vid="{4A3C46E8-61CC-4603-A589-7422A47A8E4A}"/>
+      <thm15:themeFamily xmlns:thm15="http://schemas.microsoft.com/office/thememl/2012/main" xmlns="" name="Office Theme" id="{62F939B6-93AF-4DB8-9C6B-D6C7DFDC589F}" vid="{4A3C46E8-61CC-4603-A589-7422A47A8E4A}"/>
     </a:ext>
   </a:extLst>
 </a:theme>
@@ -6695,7 +6695,7 @@
   <a:extraClrSchemeLst/>
   <a:extLst>
     <a:ext uri="{05A4C25C-085E-4340-85A3-A5531E510DB2}">
-      <thm15:themeFamily xmlns:thm15="http://schemas.microsoft.com/office/thememl/2012/main" name="Office Theme" id="{62F939B6-93AF-4DB8-9C6B-D6C7DFDC589F}" vid="{4A3C46E8-61CC-4603-A589-7422A47A8E4A}"/>
+      <thm15:themeFamily xmlns:thm15="http://schemas.microsoft.com/office/thememl/2012/main" xmlns="" name="Office Theme" id="{62F939B6-93AF-4DB8-9C6B-D6C7DFDC589F}" vid="{4A3C46E8-61CC-4603-A589-7422A47A8E4A}"/>
     </a:ext>
   </a:extLst>
 </a:theme>
